--- a/Meeting 3.pptx
+++ b/Meeting 3.pptx
@@ -5,7 +5,7 @@
     <p:sldMasterId id="2147483648" r:id="rId1"/>
   </p:sldMasterIdLst>
   <p:notesMasterIdLst>
-    <p:notesMasterId r:id="rId16"/>
+    <p:notesMasterId r:id="rId17"/>
   </p:notesMasterIdLst>
   <p:sldIdLst>
     <p:sldId id="256" r:id="rId2"/>
@@ -18,10 +18,11 @@
     <p:sldId id="271" r:id="rId9"/>
     <p:sldId id="264" r:id="rId10"/>
     <p:sldId id="265" r:id="rId11"/>
-    <p:sldId id="277" r:id="rId12"/>
-    <p:sldId id="276" r:id="rId13"/>
-    <p:sldId id="272" r:id="rId14"/>
-    <p:sldId id="273" r:id="rId15"/>
+    <p:sldId id="278" r:id="rId12"/>
+    <p:sldId id="277" r:id="rId13"/>
+    <p:sldId id="276" r:id="rId14"/>
+    <p:sldId id="272" r:id="rId15"/>
+    <p:sldId id="273" r:id="rId16"/>
   </p:sldIdLst>
   <p:sldSz cx="12192000" cy="6858000"/>
   <p:notesSz cx="6858000" cy="9144000"/>
@@ -210,7 +211,7 @@
           <a:p>
             <a:fld id="{CFC73B83-D00D-415D-9600-931A80B69212}" type="datetimeFigureOut">
               <a:rPr lang="en-US" smtClean="0"/>
-              <a:t>3/23/2022</a:t>
+              <a:t>4/12/2022</a:t>
             </a:fld>
             <a:endParaRPr lang="en-US"/>
           </a:p>
@@ -5362,6 +5363,201 @@
           <p:cNvPr id="2" name="Title 1">
             <a:extLst>
               <a:ext uri="{FF2B5EF4-FFF2-40B4-BE49-F238E27FC236}">
+                <a16:creationId xmlns:a16="http://schemas.microsoft.com/office/drawing/2014/main" id="{4CF6F515-7D7B-4848-B00E-F27647D0DD9E}"/>
+              </a:ext>
+            </a:extLst>
+          </p:cNvPr>
+          <p:cNvSpPr>
+            <a:spLocks noGrp="1"/>
+          </p:cNvSpPr>
+          <p:nvPr>
+            <p:ph type="title"/>
+          </p:nvPr>
+        </p:nvSpPr>
+        <p:spPr/>
+        <p:txBody>
+          <a:bodyPr/>
+          <a:lstStyle/>
+          <a:p>
+            <a:endParaRPr lang="en-US"/>
+          </a:p>
+        </p:txBody>
+      </p:sp>
+      <p:sp>
+        <p:nvSpPr>
+          <p:cNvPr id="3" name="Content Placeholder 2">
+            <a:extLst>
+              <a:ext uri="{FF2B5EF4-FFF2-40B4-BE49-F238E27FC236}">
+                <a16:creationId xmlns:a16="http://schemas.microsoft.com/office/drawing/2014/main" id="{A244617C-2C6C-465E-8A4B-994DACDE5D47}"/>
+              </a:ext>
+            </a:extLst>
+          </p:cNvPr>
+          <p:cNvSpPr>
+            <a:spLocks noGrp="1"/>
+          </p:cNvSpPr>
+          <p:nvPr>
+            <p:ph idx="1"/>
+          </p:nvPr>
+        </p:nvSpPr>
+        <p:spPr/>
+        <p:txBody>
+          <a:bodyPr/>
+          <a:lstStyle/>
+          <a:p>
+            <a:endParaRPr lang="en-US" dirty="0"/>
+          </a:p>
+        </p:txBody>
+      </p:sp>
+      <p:sp>
+        <p:nvSpPr>
+          <p:cNvPr id="4" name="Date Placeholder 3">
+            <a:extLst>
+              <a:ext uri="{FF2B5EF4-FFF2-40B4-BE49-F238E27FC236}">
+                <a16:creationId xmlns:a16="http://schemas.microsoft.com/office/drawing/2014/main" id="{E880BB6B-141A-4AC8-BEBF-5CB0F5A75E4D}"/>
+              </a:ext>
+            </a:extLst>
+          </p:cNvPr>
+          <p:cNvSpPr>
+            <a:spLocks noGrp="1"/>
+          </p:cNvSpPr>
+          <p:nvPr>
+            <p:ph type="dt" sz="half" idx="10"/>
+          </p:nvPr>
+        </p:nvSpPr>
+        <p:spPr/>
+        <p:txBody>
+          <a:bodyPr/>
+          <a:lstStyle/>
+          <a:p>
+            <a:r>
+              <a:rPr lang="en-US"/>
+              <a:t>3/23/2022</a:t>
+            </a:r>
+          </a:p>
+        </p:txBody>
+      </p:sp>
+      <p:sp>
+        <p:nvSpPr>
+          <p:cNvPr id="5" name="Footer Placeholder 4">
+            <a:extLst>
+              <a:ext uri="{FF2B5EF4-FFF2-40B4-BE49-F238E27FC236}">
+                <a16:creationId xmlns:a16="http://schemas.microsoft.com/office/drawing/2014/main" id="{1D7CC01A-FFBD-414E-A613-B6BFAF8AF3EF}"/>
+              </a:ext>
+            </a:extLst>
+          </p:cNvPr>
+          <p:cNvSpPr>
+            <a:spLocks noGrp="1"/>
+          </p:cNvSpPr>
+          <p:nvPr>
+            <p:ph type="ftr" sz="quarter" idx="11"/>
+          </p:nvPr>
+        </p:nvSpPr>
+        <p:spPr/>
+        <p:txBody>
+          <a:bodyPr/>
+          <a:lstStyle/>
+          <a:p>
+            <a:r>
+              <a:rPr lang="en-US"/>
+              <a:t>Xuewen Yan</a:t>
+            </a:r>
+          </a:p>
+        </p:txBody>
+      </p:sp>
+      <p:sp>
+        <p:nvSpPr>
+          <p:cNvPr id="6" name="Slide Number Placeholder 5">
+            <a:extLst>
+              <a:ext uri="{FF2B5EF4-FFF2-40B4-BE49-F238E27FC236}">
+                <a16:creationId xmlns:a16="http://schemas.microsoft.com/office/drawing/2014/main" id="{E16C1520-28E9-498B-89B2-91E53045E31F}"/>
+              </a:ext>
+            </a:extLst>
+          </p:cNvPr>
+          <p:cNvSpPr>
+            <a:spLocks noGrp="1"/>
+          </p:cNvSpPr>
+          <p:nvPr>
+            <p:ph type="sldNum" sz="quarter" idx="12"/>
+          </p:nvPr>
+        </p:nvSpPr>
+        <p:spPr/>
+        <p:txBody>
+          <a:bodyPr/>
+          <a:lstStyle/>
+          <a:p>
+            <a:fld id="{0D432D05-E134-4D48-BE40-5C1FC2801CB4}" type="slidenum">
+              <a:rPr lang="en-US" smtClean="0"/>
+              <a:t>11</a:t>
+            </a:fld>
+            <a:endParaRPr lang="en-US"/>
+          </a:p>
+        </p:txBody>
+      </p:sp>
+      <p:pic>
+        <p:nvPicPr>
+          <p:cNvPr id="9" name="Picture 8">
+            <a:extLst>
+              <a:ext uri="{FF2B5EF4-FFF2-40B4-BE49-F238E27FC236}">
+                <a16:creationId xmlns:a16="http://schemas.microsoft.com/office/drawing/2014/main" id="{159856AA-4729-4D38-893D-D67EA29F6BAB}"/>
+              </a:ext>
+            </a:extLst>
+          </p:cNvPr>
+          <p:cNvPicPr>
+            <a:picLocks noChangeAspect="1"/>
+          </p:cNvPicPr>
+          <p:nvPr/>
+        </p:nvPicPr>
+        <p:blipFill>
+          <a:blip r:embed="rId2"/>
+          <a:stretch>
+            <a:fillRect/>
+          </a:stretch>
+        </p:blipFill>
+        <p:spPr>
+          <a:xfrm>
+            <a:off x="2676952" y="510296"/>
+            <a:ext cx="6838095" cy="5666667"/>
+          </a:xfrm>
+          <a:prstGeom prst="rect">
+            <a:avLst/>
+          </a:prstGeom>
+        </p:spPr>
+      </p:pic>
+    </p:spTree>
+    <p:extLst>
+      <p:ext uri="{BB962C8B-B14F-4D97-AF65-F5344CB8AC3E}">
+        <p14:creationId xmlns:p14="http://schemas.microsoft.com/office/powerpoint/2010/main" val="1756464312"/>
+      </p:ext>
+    </p:extLst>
+  </p:cSld>
+  <p:clrMapOvr>
+    <a:masterClrMapping/>
+  </p:clrMapOvr>
+</p:sld>
+</file>
+
+<file path=ppt/slides/slide12.xml><?xml version="1.0" encoding="utf-8"?>
+<p:sld xmlns:a="http://schemas.openxmlformats.org/drawingml/2006/main" xmlns:r="http://schemas.openxmlformats.org/officeDocument/2006/relationships" xmlns:p="http://schemas.openxmlformats.org/presentationml/2006/main">
+  <p:cSld>
+    <p:spTree>
+      <p:nvGrpSpPr>
+        <p:cNvPr id="1" name=""/>
+        <p:cNvGrpSpPr/>
+        <p:nvPr/>
+      </p:nvGrpSpPr>
+      <p:grpSpPr>
+        <a:xfrm>
+          <a:off x="0" y="0"/>
+          <a:ext cx="0" cy="0"/>
+          <a:chOff x="0" y="0"/>
+          <a:chExt cx="0" cy="0"/>
+        </a:xfrm>
+      </p:grpSpPr>
+      <p:sp>
+        <p:nvSpPr>
+          <p:cNvPr id="2" name="Title 1">
+            <a:extLst>
+              <a:ext uri="{FF2B5EF4-FFF2-40B4-BE49-F238E27FC236}">
                 <a16:creationId xmlns:a16="http://schemas.microsoft.com/office/drawing/2014/main" id="{E637AC3E-7F39-40D7-B366-3485F0697EEE}"/>
               </a:ext>
             </a:extLst>
@@ -5594,7 +5790,7 @@
           <a:p>
             <a:fld id="{0D432D05-E134-4D48-BE40-5C1FC2801CB4}" type="slidenum">
               <a:rPr lang="en-US" smtClean="0"/>
-              <a:t>11</a:t>
+              <a:t>12</a:t>
             </a:fld>
             <a:endParaRPr lang="en-US"/>
           </a:p>
@@ -5613,7 +5809,7 @@
 </p:sld>
 </file>
 
-<file path=ppt/slides/slide12.xml><?xml version="1.0" encoding="utf-8"?>
+<file path=ppt/slides/slide13.xml><?xml version="1.0" encoding="utf-8"?>
 <p:sld xmlns:a="http://schemas.openxmlformats.org/drawingml/2006/main" xmlns:r="http://schemas.openxmlformats.org/officeDocument/2006/relationships" xmlns:p="http://schemas.openxmlformats.org/presentationml/2006/main">
   <p:cSld>
     <p:bg>
@@ -6154,7 +6350,7 @@
                   <a:spcPts val="600"/>
                 </a:spcAft>
               </a:pPr>
-              <a:t>12</a:t>
+              <a:t>13</a:t>
             </a:fld>
             <a:endParaRPr lang="en-US"/>
           </a:p>
@@ -6173,7 +6369,7 @@
 </p:sld>
 </file>
 
-<file path=ppt/slides/slide13.xml><?xml version="1.0" encoding="utf-8"?>
+<file path=ppt/slides/slide14.xml><?xml version="1.0" encoding="utf-8"?>
 <p:sld xmlns:a="http://schemas.openxmlformats.org/drawingml/2006/main" xmlns:r="http://schemas.openxmlformats.org/officeDocument/2006/relationships" xmlns:p="http://schemas.openxmlformats.org/presentationml/2006/main">
   <p:cSld>
     <p:bg>
@@ -6841,7 +7037,7 @@
                 </a:spcAft>
                 <a:buNone/>
               </a:pPr>
-              <a:t>13</a:t>
+              <a:t>14</a:t>
             </a:fld>
             <a:endParaRPr lang="en-US">
               <a:solidFill>
@@ -6859,7 +7055,7 @@
 </p:sld>
 </file>
 
-<file path=ppt/slides/slide14.xml><?xml version="1.0" encoding="utf-8"?>
+<file path=ppt/slides/slide15.xml><?xml version="1.0" encoding="utf-8"?>
 <p:sld xmlns:a="http://schemas.openxmlformats.org/drawingml/2006/main" xmlns:r="http://schemas.openxmlformats.org/officeDocument/2006/relationships" xmlns:p="http://schemas.openxmlformats.org/presentationml/2006/main">
   <p:cSld>
     <p:bg>
@@ -6988,7 +7184,19 @@
             </a:pPr>
             <a:r>
               <a:rPr lang="en-US" sz="3700" dirty="0"/>
-              <a:t>Circumstances where correlation isn’t causation*</a:t>
+              <a:t>Circumstances where correlation isn’t causation (endogeneity</a:t>
+            </a:r>
+            <a:r>
+              <a:rPr lang="zh-CN" altLang="en-US" sz="3700" dirty="0"/>
+              <a:t>内生性</a:t>
+            </a:r>
+            <a:r>
+              <a:rPr lang="en-US" altLang="zh-CN" sz="3700" dirty="0"/>
+              <a:t>)</a:t>
+            </a:r>
+            <a:r>
+              <a:rPr lang="en-US" sz="3700" dirty="0"/>
+              <a:t>*</a:t>
             </a:r>
           </a:p>
         </p:txBody>
@@ -7084,11 +7292,11 @@
               <a:buChar char="•"/>
             </a:pPr>
             <a:r>
-              <a:rPr lang="en-US" sz="2000" u="sng"/>
+              <a:rPr lang="en-US" sz="2000" u="sng" dirty="0"/>
               <a:t>Reverse causation </a:t>
             </a:r>
             <a:r>
-              <a:rPr lang="en-US" sz="2000"/>
+              <a:rPr lang="en-US" sz="2000" dirty="0"/>
               <a:t>(Dependent variable causing independent var)</a:t>
             </a:r>
           </a:p>
@@ -7107,7 +7315,7 @@
               <a:buChar char="•"/>
             </a:pPr>
             <a:r>
-              <a:rPr lang="en-US" sz="2000"/>
+              <a:rPr lang="en-US" sz="2000" dirty="0"/>
               <a:t>E.g., Children with better achievements love reading books more and ask their parents to buy more for them! </a:t>
             </a:r>
           </a:p>
@@ -7126,11 +7334,11 @@
               <a:buChar char="•"/>
             </a:pPr>
             <a:r>
-              <a:rPr lang="en-US" sz="2000" u="sng"/>
+              <a:rPr lang="en-US" sz="2000" u="sng" dirty="0"/>
               <a:t>Common cause </a:t>
             </a:r>
             <a:r>
-              <a:rPr lang="en-US" sz="2000"/>
+              <a:rPr lang="en-US" sz="2000" dirty="0"/>
               <a:t>(“confounder” variable; can also be seen as “spurious relationship”)</a:t>
             </a:r>
           </a:p>
@@ -7149,15 +7357,15 @@
               <a:buChar char="•"/>
             </a:pPr>
             <a:r>
-              <a:rPr lang="en-US" sz="2000"/>
+              <a:rPr lang="en-US" sz="2000" dirty="0"/>
               <a:t>E.g., Higher family income leads to both more books at home </a:t>
             </a:r>
             <a:r>
-              <a:rPr lang="en-US" sz="2000" i="1"/>
+              <a:rPr lang="en-US" sz="2000" i="1" dirty="0"/>
               <a:t>and </a:t>
             </a:r>
             <a:r>
-              <a:rPr lang="en-US" sz="2000"/>
+              <a:rPr lang="en-US" sz="2000" dirty="0"/>
               <a:t>kids’ academic achievement</a:t>
             </a:r>
           </a:p>
@@ -7176,11 +7384,11 @@
               <a:buChar char="•"/>
             </a:pPr>
             <a:r>
-              <a:rPr lang="en-US" sz="2000" u="sng"/>
+              <a:rPr lang="en-US" sz="2000" u="sng" dirty="0"/>
               <a:t>Self selection </a:t>
             </a:r>
             <a:r>
-              <a:rPr lang="en-US" sz="2000"/>
+              <a:rPr lang="en-US" sz="2000" dirty="0"/>
               <a:t>(Those studied/“treated” are systematically different from those that aren’t)</a:t>
             </a:r>
           </a:p>
@@ -7199,7 +7407,7 @@
               <a:buChar char="•"/>
             </a:pPr>
             <a:r>
-              <a:rPr lang="en-US" sz="2000"/>
+              <a:rPr lang="en-US" sz="2000" dirty="0"/>
               <a:t>E.g., Parents who participated in our study are themselves more likely to care about kids’ academic achievements; </a:t>
             </a:r>
           </a:p>
@@ -7218,7 +7426,7 @@
               <a:buChar char="•"/>
             </a:pPr>
             <a:r>
-              <a:rPr lang="en-US" sz="2000"/>
+              <a:rPr lang="en-US" sz="2000" dirty="0"/>
               <a:t>A typical problem in program evaluation</a:t>
             </a:r>
           </a:p>
@@ -7335,7 +7543,7 @@
                 </a:spcAft>
                 <a:buNone/>
               </a:pPr>
-              <a:t>14</a:t>
+              <a:t>15</a:t>
             </a:fld>
             <a:endParaRPr lang="en-US" sz="1050">
               <a:solidFill>
@@ -10144,14 +10352,14 @@
             <p:ph idx="1"/>
             <p:extLst>
               <p:ext uri="{D42A27DB-BD31-4B8C-83A1-F6EECF244321}">
-                <p14:modId xmlns:p14="http://schemas.microsoft.com/office/powerpoint/2010/main" val="2853839329"/>
+                <p14:modId xmlns:p14="http://schemas.microsoft.com/office/powerpoint/2010/main" val="2990397064"/>
               </p:ext>
             </p:extLst>
           </p:nvPr>
         </p:nvGraphicFramePr>
         <p:xfrm>
-          <a:off x="508958" y="1252089"/>
-          <a:ext cx="10922478" cy="5040970"/>
+          <a:off x="508958" y="1252088"/>
+          <a:ext cx="11005018" cy="5104261"/>
         </p:xfrm>
         <a:graphic>
           <a:graphicData uri="http://schemas.openxmlformats.org/drawingml/2006/table">
@@ -10163,28 +10371,28 @@
                 <a:tableStyleId>{5C22544A-7EE6-4342-B048-85BDC9FD1C3A}</a:tableStyleId>
               </a:tblPr>
               <a:tblGrid>
-                <a:gridCol w="1253167">
+                <a:gridCol w="1262637">
                   <a:extLst>
                     <a:ext uri="{9D8B030D-6E8A-4147-A177-3AD203B41FA5}">
                       <a16:colId xmlns:a16="http://schemas.microsoft.com/office/drawing/2014/main" val="2662088361"/>
                     </a:ext>
                   </a:extLst>
                 </a:gridCol>
-                <a:gridCol w="3111593">
+                <a:gridCol w="3135107">
                   <a:extLst>
                     <a:ext uri="{9D8B030D-6E8A-4147-A177-3AD203B41FA5}">
                       <a16:colId xmlns:a16="http://schemas.microsoft.com/office/drawing/2014/main" val="359178196"/>
                     </a:ext>
                   </a:extLst>
                 </a:gridCol>
-                <a:gridCol w="3087063">
+                <a:gridCol w="3110392">
                   <a:extLst>
                     <a:ext uri="{9D8B030D-6E8A-4147-A177-3AD203B41FA5}">
                       <a16:colId xmlns:a16="http://schemas.microsoft.com/office/drawing/2014/main" val="908102994"/>
                     </a:ext>
                   </a:extLst>
                 </a:gridCol>
-                <a:gridCol w="3470655">
+                <a:gridCol w="3496882">
                   <a:extLst>
                     <a:ext uri="{9D8B030D-6E8A-4147-A177-3AD203B41FA5}">
                       <a16:colId xmlns:a16="http://schemas.microsoft.com/office/drawing/2014/main" val="601522885"/>
@@ -10192,7 +10400,7 @@
                   </a:extLst>
                 </a:gridCol>
               </a:tblGrid>
-              <a:tr h="362041">
+              <a:tr h="376897">
                 <a:tc>
                   <a:txBody>
                     <a:bodyPr/>
@@ -10423,7 +10631,7 @@
                   </a:ext>
                 </a:extLst>
               </a:tr>
-              <a:tr h="1425746">
+              <a:tr h="1443647">
                 <a:tc>
                   <a:txBody>
                     <a:bodyPr/>
@@ -10725,7 +10933,7 @@
                           <a:effectLst/>
                           <a:latin typeface="Bahnschrift" panose="020B0502040204020203" pitchFamily="34" charset="0"/>
                         </a:rPr>
-                        <a:t>Survey</a:t>
+                        <a:t>Survey/Census</a:t>
                       </a:r>
                     </a:p>
                     <a:p>
@@ -10853,7 +11061,7 @@
                   </a:ext>
                 </a:extLst>
               </a:tr>
-              <a:tr h="1825048">
+              <a:tr h="1847962">
                 <a:tc>
                   <a:txBody>
                     <a:bodyPr/>
@@ -10871,7 +11079,7 @@
                         </a:spcAft>
                       </a:pPr>
                       <a:r>
-                        <a:rPr lang="en-US" sz="1600" cap="none" spc="0">
+                        <a:rPr lang="en-US" sz="1600" cap="none" spc="0" dirty="0">
                           <a:solidFill>
                             <a:schemeClr val="tx1"/>
                           </a:solidFill>
@@ -10880,7 +11088,7 @@
                         </a:rPr>
                         <a:t>Qualitative</a:t>
                       </a:r>
-                      <a:endParaRPr lang="en-US" sz="1600" cap="none" spc="0">
+                      <a:endParaRPr lang="en-US" sz="1600" cap="none" spc="0" dirty="0">
                         <a:solidFill>
                           <a:schemeClr val="tx1"/>
                         </a:solidFill>
@@ -11295,7 +11503,7 @@
                   </a:ext>
                 </a:extLst>
               </a:tr>
-              <a:tr h="1417952">
+              <a:tr h="1435755">
                 <a:tc>
                   <a:txBody>
                     <a:bodyPr/>
